--- a/output/notWellKnown/Love-Came-Down.pptx
+++ b/output/notWellKnown/Love-Came-Down.pptx
@@ -515,7 +515,7 @@
             </a:r>
             <a:br/>
             <a:r>
-              <a:t>CCLI: </a:t>
+              <a:t>CCLI:  4943316</a:t>
             </a:r>
           </a:p>
         </p:txBody>
@@ -593,7 +593,7 @@
             </a:r>
             <a:br/>
             <a:r>
-              <a:t>CCLI: </a:t>
+              <a:t>CCLI:  4943316</a:t>
             </a:r>
           </a:p>
         </p:txBody>
@@ -663,7 +663,7 @@
           <a:lstStyle/>
           <a:p>
             <a:r>
-              <a:t>Chorus                                             </a:t>
+              <a:t>Chorus</a:t>
             </a:r>
             <a:br/>
             <a:r>
@@ -671,7 +671,7 @@
             </a:r>
             <a:br/>
             <a:r>
-              <a:t>CCLI: </a:t>
+              <a:t>CCLI:  4943316</a:t>
             </a:r>
           </a:p>
         </p:txBody>
@@ -749,7 +749,7 @@
             </a:r>
             <a:br/>
             <a:r>
-              <a:t>CCLI: </a:t>
+              <a:t>CCLI:  4943316</a:t>
             </a:r>
           </a:p>
         </p:txBody>
@@ -819,7 +819,7 @@
           <a:lstStyle/>
           <a:p>
             <a:r>
-              <a:t>CHORUS</a:t>
+              <a:t>Bridge</a:t>
             </a:r>
             <a:br/>
             <a:r>
@@ -827,7 +827,7 @@
             </a:r>
             <a:br/>
             <a:r>
-              <a:t>CCLI: </a:t>
+              <a:t>CCLI:  4943316</a:t>
             </a:r>
           </a:p>
         </p:txBody>
@@ -905,7 +905,7 @@
             </a:r>
             <a:br/>
             <a:r>
-              <a:t>CCLI: </a:t>
+              <a:t>CCLI:  4943316</a:t>
             </a:r>
           </a:p>
         </p:txBody>
@@ -3938,7 +3938,7 @@
               <a:defRPr sz="2500"/>
             </a:pPr>
             <a:r>
-              <a:t>When I call on Your Name You answer                           </a:t>
+              <a:t>When I call on Your Name You answer</a:t>
             </a:r>
             <a:br/>
             <a:r>
@@ -3991,7 +3991,7 @@
             </a:r>
             <a:br/>
             <a:r>
-              <a:t>CCLI: </a:t>
+              <a:t>CCLI:  4943316</a:t>
             </a:r>
           </a:p>
         </p:txBody>
@@ -4086,7 +4086,7 @@
             </a:r>
             <a:br/>
             <a:r>
-              <a:t>CCLI: </a:t>
+              <a:t>CCLI:  4943316</a:t>
             </a:r>
           </a:p>
         </p:txBody>
@@ -4136,7 +4136,7 @@
               <a:defRPr sz="2500"/>
             </a:pPr>
             <a:r>
-              <a:t>I've found a Love greater than life itself </a:t>
+              <a:t>I've found a Love greater than life itself</a:t>
             </a:r>
             <a:br/>
             <a:r>
@@ -4177,7 +4177,7 @@
               <a:defRPr sz="1200"/>
             </a:pPr>
             <a:r>
-              <a:t>Chorus                                             </a:t>
+              <a:t>Chorus</a:t>
             </a:r>
             <a:br/>
             <a:r>
@@ -4185,7 +4185,7 @@
             </a:r>
             <a:br/>
             <a:r>
-              <a:t>CCLI: </a:t>
+              <a:t>CCLI:  4943316</a:t>
             </a:r>
           </a:p>
         </p:txBody>
@@ -4288,7 +4288,7 @@
             </a:r>
             <a:br/>
             <a:r>
-              <a:t>CCLI: </a:t>
+              <a:t>CCLI:  4943316</a:t>
             </a:r>
           </a:p>
         </p:txBody>
@@ -4334,28 +4334,23 @@
           <a:lstStyle/>
           <a:p/>
           <a:p>
-            <a:br/>
             <a:pPr>
               <a:defRPr sz="2500"/>
             </a:pPr>
             <a:r>
-              <a:t>Bridge</a:t>
+              <a:t>Love came down and rescued me</a:t>
             </a:r>
             <a:br/>
             <a:r>
-              <a:t>Love came down and rescued me</a:t>
+              <a:t>I thank You  yes I thank You</a:t>
             </a:r>
             <a:br/>
             <a:r>
-              <a:t> I thank You  yes I thank You</a:t>
+              <a:t>I once was blind but now I see</a:t>
             </a:r>
             <a:br/>
             <a:r>
-              <a:t>I once was blind but now I see</a:t>
-            </a:r>
-            <a:br/>
-            <a:r>
-              <a:t> I see You  yes I see You </a:t>
+              <a:t>I see You  (only the 1st time) yes I see You</a:t>
             </a:r>
             <a:br/>
             <a:r>
@@ -4392,7 +4387,7 @@
               <a:defRPr sz="1200"/>
             </a:pPr>
             <a:r>
-              <a:t>CHORUS</a:t>
+              <a:t>Bridge</a:t>
             </a:r>
             <a:br/>
             <a:r>
@@ -4400,7 +4395,7 @@
             </a:r>
             <a:br/>
             <a:r>
-              <a:t>CCLI: </a:t>
+              <a:t>CCLI:  4943316</a:t>
             </a:r>
           </a:p>
         </p:txBody>
@@ -4499,7 +4494,7 @@
             </a:r>
             <a:br/>
             <a:r>
-              <a:t>CCLI: </a:t>
+              <a:t>CCLI:  4943316</a:t>
             </a:r>
           </a:p>
         </p:txBody>
